--- a/14-18_SQL Interogari avansate/14_SQL5_SELECT_Jonctiuni_externe.pptx
+++ b/14-18_SQL Interogari avansate/14_SQL5_SELECT_Jonctiuni_externe.pptx
@@ -9067,85 +9067,6 @@
             </a:lvl9pPr>
             <a:extLst/>
           </a:lstStyle>
-          <a:p>
-            <a:pPr fontAlgn="auto">
-              <a:spcAft>
-                <a:spcPts val="0"/>
-              </a:spcAft>
-            </a:pPr>
-            <a:r>
-              <a:rPr lang="en-US" dirty="0"/>
-              <a:t>039 overview of join types-Complete SQL Bootcamp </a:t>
-            </a:r>
-            <a:r>
-              <a:rPr lang="en-US" dirty="0">
-                <a:cs typeface="Avenir Light"/>
-                <a:hlinkClick r:id="rId2"/>
-              </a:rPr>
-              <a:t>https://www.youtube.com/watch?v=1w3tXpvyoXM</a:t>
-            </a:r>
-            <a:endParaRPr lang="en-US" dirty="0">
-              <a:cs typeface="Avenir Light"/>
-            </a:endParaRPr>
-          </a:p>
-          <a:p>
-            <a:pPr fontAlgn="auto">
-              <a:spcAft>
-                <a:spcPts val="0"/>
-              </a:spcAft>
-            </a:pPr>
-            <a:r>
-              <a:rPr lang="en-US" dirty="0"/>
-              <a:t>040 example of outer joins-Complete SQL Bootcamp</a:t>
-            </a:r>
-          </a:p>
-          <a:p>
-            <a:pPr marL="82550" indent="0" fontAlgn="auto">
-              <a:spcAft>
-                <a:spcPts val="0"/>
-              </a:spcAft>
-              <a:buNone/>
-            </a:pPr>
-            <a:r>
-              <a:rPr lang="en-US" dirty="0">
-                <a:cs typeface="Avenir Light"/>
-                <a:hlinkClick r:id="rId3"/>
-              </a:rPr>
-              <a:t>https://www.youtube.com/watch?v=rbTSCqRwurA</a:t>
-            </a:r>
-            <a:endParaRPr lang="en-US" dirty="0">
-              <a:cs typeface="Avenir Light"/>
-            </a:endParaRPr>
-          </a:p>
-          <a:p>
-            <a:pPr fontAlgn="auto">
-              <a:spcAft>
-                <a:spcPts val="0"/>
-              </a:spcAft>
-            </a:pPr>
-            <a:endParaRPr lang="en-US" dirty="0">
-              <a:cs typeface="Avenir Light"/>
-            </a:endParaRPr>
-          </a:p>
-          <a:p>
-            <a:pPr fontAlgn="auto">
-              <a:spcAft>
-                <a:spcPts val="0"/>
-              </a:spcAft>
-            </a:pPr>
-            <a:endParaRPr lang="en-US" dirty="0">
-              <a:cs typeface="Avenir Light"/>
-            </a:endParaRPr>
-          </a:p>
-          <a:p>
-            <a:pPr marL="82296" indent="0" fontAlgn="auto">
-              <a:spcAft>
-                <a:spcPts val="0"/>
-              </a:spcAft>
-              <a:buNone/>
-            </a:pPr>
-            <a:endParaRPr lang="en-US" dirty="0"/>
-          </a:p>
           <a:p>
             <a:pPr fontAlgn="auto">
               <a:spcAft>

--- a/14-18_SQL Interogari avansate/14_SQL5_SELECT_Jonctiuni_externe.pptx
+++ b/14-18_SQL Interogari avansate/14_SQL5_SELECT_Jonctiuni_externe.pptx
@@ -9079,6 +9079,94 @@
           </a:p>
         </p:txBody>
       </p:sp>
+      <p:sp>
+        <p:nvSpPr>
+          <p:cNvPr id="2" name="Rectangle 1">
+            <a:extLst>
+              <a:ext uri="{FF2B5EF4-FFF2-40B4-BE49-F238E27FC236}">
+                <a16:creationId xmlns:a16="http://schemas.microsoft.com/office/drawing/2014/main" id="{D42340FA-06C9-1E49-A406-1CA13C44DFF9}"/>
+              </a:ext>
+            </a:extLst>
+          </p:cNvPr>
+          <p:cNvSpPr/>
+          <p:nvPr/>
+        </p:nvSpPr>
+        <p:spPr>
+          <a:xfrm>
+            <a:off x="1183341" y="1510480"/>
+            <a:ext cx="7626373" cy="4099584"/>
+          </a:xfrm>
+          <a:prstGeom prst="rect">
+            <a:avLst/>
+          </a:prstGeom>
+        </p:spPr>
+        <p:txBody>
+          <a:bodyPr wrap="square">
+            <a:spAutoFit/>
+          </a:bodyPr>
+          <a:lstStyle/>
+          <a:p>
+            <a:pPr>
+              <a:buNone/>
+            </a:pPr>
+            <a:r>
+              <a:rPr lang="ro-RO" dirty="0">
+                <a:hlinkClick r:id="rId2"/>
+              </a:rPr>
+              <a:t>http://www.postgresqltutorial.com/postgresql-joins/</a:t>
+            </a:r>
+            <a:endParaRPr lang="ro-RO" dirty="0"/>
+          </a:p>
+          <a:p>
+            <a:pPr>
+              <a:buNone/>
+            </a:pPr>
+            <a:endParaRPr lang="ro-RO" dirty="0"/>
+          </a:p>
+          <a:p>
+            <a:pPr>
+              <a:buNone/>
+            </a:pPr>
+            <a:r>
+              <a:rPr lang="ro-RO" dirty="0">
+                <a:hlinkClick r:id="rId3"/>
+              </a:rPr>
+              <a:t>http://www.postgresqltutorial.com/postgresql-left-join/</a:t>
+            </a:r>
+            <a:endParaRPr lang="ro-RO" dirty="0"/>
+          </a:p>
+          <a:p>
+            <a:pPr>
+              <a:buNone/>
+            </a:pPr>
+            <a:endParaRPr lang="ro-RO" dirty="0"/>
+          </a:p>
+          <a:p>
+            <a:pPr>
+              <a:buNone/>
+            </a:pPr>
+            <a:r>
+              <a:rPr lang="ro-RO" dirty="0">
+                <a:hlinkClick r:id="rId4"/>
+              </a:rPr>
+              <a:t>http://www.postgresqltutorial.com/postgresql-full-outer-join/</a:t>
+            </a:r>
+            <a:endParaRPr lang="ro-RO" dirty="0"/>
+          </a:p>
+          <a:p>
+            <a:pPr>
+              <a:buNone/>
+            </a:pPr>
+            <a:endParaRPr lang="ro-RO" dirty="0"/>
+          </a:p>
+          <a:p>
+            <a:pPr>
+              <a:buNone/>
+            </a:pPr>
+            <a:endParaRPr lang="ro-RO" dirty="0"/>
+          </a:p>
+        </p:txBody>
+      </p:sp>
     </p:spTree>
     <p:extLst>
       <p:ext uri="{BB962C8B-B14F-4D97-AF65-F5344CB8AC3E}">
@@ -9494,12 +9582,18 @@
           <a:lstStyle/>
           <a:p>
             <a:r>
-              <a:rPr lang="en-US" b="1">
+              <a:rPr lang="en-US" b="1" dirty="0">
                 <a:latin typeface="Arial" charset="0"/>
+                <a:hlinkClick r:id="rId3"/>
               </a:rPr>
               <a:t>http://stackoverflow.com/questions/38549/difference-between-inner-and-outer-joins</a:t>
             </a:r>
-            <a:endParaRPr lang="ro-RO">
+            <a:endParaRPr lang="en-US" b="1" dirty="0">
+              <a:latin typeface="Arial" charset="0"/>
+            </a:endParaRPr>
+          </a:p>
+          <a:p>
+            <a:endParaRPr lang="ro-RO" dirty="0">
               <a:latin typeface="Arial" charset="0"/>
             </a:endParaRPr>
           </a:p>
